--- a/Monograph/フローチャート_ALL.pptx
+++ b/Monograph/フローチャート_ALL.pptx
@@ -3259,8 +3259,8 @@
           <a:chExt cx="0" cy="0"/>
         </a:xfrm>
       </p:grpSpPr>
-      <mc:AlternateContent xmlns:mc="http://schemas.openxmlformats.org/markup-compatibility/2006">
-        <mc:Choice xmlns:a14="http://schemas.microsoft.com/office/drawing/2010/main" Requires="a14">
+      <mc:AlternateContent xmlns:mc="http://schemas.openxmlformats.org/markup-compatibility/2006" xmlns:a14="http://schemas.microsoft.com/office/drawing/2010/main">
+        <mc:Choice Requires="a14">
           <p:sp>
             <p:nvSpPr>
               <p:cNvPr id="4" name="フローチャート: 処理 3"/>
@@ -3470,7 +3470,7 @@
             </p:txBody>
           </p:sp>
         </mc:Choice>
-        <mc:Fallback>
+        <mc:Fallback xmlns="">
           <p:sp>
             <p:nvSpPr>
               <p:cNvPr id="4" name="フローチャート: 処理 3"/>
@@ -3514,8 +3514,8 @@
           </p:sp>
         </mc:Fallback>
       </mc:AlternateContent>
-      <mc:AlternateContent xmlns:mc="http://schemas.openxmlformats.org/markup-compatibility/2006">
-        <mc:Choice xmlns:a14="http://schemas.microsoft.com/office/drawing/2010/main" Requires="a14">
+      <mc:AlternateContent xmlns:mc="http://schemas.openxmlformats.org/markup-compatibility/2006" xmlns:a14="http://schemas.microsoft.com/office/drawing/2010/main">
+        <mc:Choice Requires="a14">
           <p:sp>
             <p:nvSpPr>
               <p:cNvPr id="5" name="フローチャート: 端子 4"/>
@@ -3626,7 +3626,7 @@
             </p:txBody>
           </p:sp>
         </mc:Choice>
-        <mc:Fallback>
+        <mc:Fallback xmlns="">
           <p:sp>
             <p:nvSpPr>
               <p:cNvPr id="5" name="フローチャート: 端子 4"/>
@@ -3709,8 +3709,8 @@
           </a:fontRef>
         </p:style>
       </p:cxnSp>
-      <mc:AlternateContent xmlns:mc="http://schemas.openxmlformats.org/markup-compatibility/2006">
-        <mc:Choice xmlns:a14="http://schemas.microsoft.com/office/drawing/2010/main" Requires="a14">
+      <mc:AlternateContent xmlns:mc="http://schemas.openxmlformats.org/markup-compatibility/2006" xmlns:a14="http://schemas.microsoft.com/office/drawing/2010/main">
+        <mc:Choice Requires="a14">
           <p:sp>
             <p:nvSpPr>
               <p:cNvPr id="17" name="フローチャート: 端子 16"/>
@@ -3871,7 +3871,7 @@
             </p:txBody>
           </p:sp>
         </mc:Choice>
-        <mc:Fallback>
+        <mc:Fallback xmlns="">
           <p:sp>
             <p:nvSpPr>
               <p:cNvPr id="17" name="フローチャート: 端子 16"/>
@@ -3915,8 +3915,8 @@
           </p:sp>
         </mc:Fallback>
       </mc:AlternateContent>
-      <mc:AlternateContent xmlns:mc="http://schemas.openxmlformats.org/markup-compatibility/2006">
-        <mc:Choice xmlns:a14="http://schemas.microsoft.com/office/drawing/2010/main" Requires="a14">
+      <mc:AlternateContent xmlns:mc="http://schemas.openxmlformats.org/markup-compatibility/2006" xmlns:a14="http://schemas.microsoft.com/office/drawing/2010/main">
+        <mc:Choice Requires="a14">
           <p:sp>
             <p:nvSpPr>
               <p:cNvPr id="20" name="フローチャート: 処理 19"/>
@@ -4079,7 +4079,7 @@
             </p:txBody>
           </p:sp>
         </mc:Choice>
-        <mc:Fallback>
+        <mc:Fallback xmlns="">
           <p:sp>
             <p:nvSpPr>
               <p:cNvPr id="20" name="フローチャート: 処理 19"/>
@@ -4372,8 +4372,8 @@
           </a:fontRef>
         </p:style>
       </p:cxnSp>
-      <mc:AlternateContent xmlns:mc="http://schemas.openxmlformats.org/markup-compatibility/2006">
-        <mc:Choice xmlns:a14="http://schemas.microsoft.com/office/drawing/2010/main" Requires="a14">
+      <mc:AlternateContent xmlns:mc="http://schemas.openxmlformats.org/markup-compatibility/2006" xmlns:a14="http://schemas.microsoft.com/office/drawing/2010/main">
+        <mc:Choice Requires="a14">
           <p:sp>
             <p:nvSpPr>
               <p:cNvPr id="37" name="フローチャート: 処理 36"/>
@@ -4557,7 +4557,7 @@
             </p:txBody>
           </p:sp>
         </mc:Choice>
-        <mc:Fallback>
+        <mc:Fallback xmlns="">
           <p:sp>
             <p:nvSpPr>
               <p:cNvPr id="37" name="フローチャート: 処理 36"/>
@@ -5369,7 +5369,7 @@
               <a:lstStyle/>
               <a:p>
                 <a:r>
-                  <a:rPr lang="en-US" altLang="ja-JP" sz="1000" i="1" dirty="0" err="1" smtClean="0">
+                  <a:rPr lang="en-US" altLang="ja-JP" sz="1000" i="1" dirty="0" smtClean="0">
                     <a:latin typeface="Cambria Math" charset="0"/>
                     <a:ea typeface="Cambria Math" charset="0"/>
                     <a:cs typeface="Cambria Math" charset="0"/>
@@ -5413,7 +5413,7 @@
                         <a:ea typeface="Cambria Math" charset="0"/>
                         <a:cs typeface="Cambria Math" charset="0"/>
                       </a:rPr>
-                      <m:t> ∖</m:t>
+                      <m:t> ∖(</m:t>
                     </m:r>
                     <m:r>
                       <a:rPr lang="en-US" altLang="ja-JP" sz="1000" i="1" smtClean="0">
@@ -5490,20 +5490,12 @@
                   <a:t>F</a:t>
                 </a:r>
                 <a:r>
-                  <a:rPr lang="ja-JP" altLang="ja-JP" sz="1000" i="1" dirty="0" smtClean="0">
+                  <a:rPr lang="en-US" altLang="ja-JP" sz="1000" i="1" dirty="0" smtClean="0">
                     <a:latin typeface="Cambria Math" charset="0"/>
                     <a:ea typeface="Cambria Math" charset="0"/>
                     <a:cs typeface="Cambria Math" charset="0"/>
                   </a:rPr>
-                  <a:t> </a:t>
-                </a:r>
-                <a:r>
-                  <a:rPr lang="en-US" altLang="ja-JP" sz="1000" i="1" dirty="0">
-                    <a:latin typeface="Cambria Math" charset="0"/>
-                    <a:ea typeface="Cambria Math" charset="0"/>
-                    <a:cs typeface="Cambria Math" charset="0"/>
-                  </a:rPr>
-                  <a:t>, </a:t>
+                  <a:t>), </a:t>
                 </a:r>
                 <a14:m>
                   <m:oMath xmlns:m="http://schemas.openxmlformats.org/officeDocument/2006/math">
@@ -5605,8 +5597,8 @@
           </p:sp>
         </mc:Fallback>
       </mc:AlternateContent>
-      <mc:AlternateContent xmlns:mc="http://schemas.openxmlformats.org/markup-compatibility/2006">
-        <mc:Choice xmlns:a14="http://schemas.microsoft.com/office/drawing/2010/main" Requires="a14">
+      <mc:AlternateContent xmlns:mc="http://schemas.openxmlformats.org/markup-compatibility/2006" xmlns:a14="http://schemas.microsoft.com/office/drawing/2010/main">
+        <mc:Choice Requires="a14">
           <p:sp>
             <p:nvSpPr>
               <p:cNvPr id="30" name="フローチャート: 処理 29"/>
@@ -5655,7 +5647,7 @@
               <a:p>
                 <a:pPr algn="ctr"/>
                 <a:r>
-                  <a:rPr lang="en-US" altLang="ja-JP" sz="900" i="1" dirty="0" smtClean="0">
+                  <a:rPr lang="en-US" altLang="ja-JP" sz="900" dirty="0" smtClean="0">
                     <a:solidFill>
                       <a:schemeClr val="tx1"/>
                     </a:solidFill>
@@ -5746,6 +5738,17 @@
                   <a:t>F</a:t>
                 </a:r>
                 <a:r>
+                  <a:rPr lang="en-US" altLang="ja-JP" sz="900" dirty="0" smtClean="0">
+                    <a:solidFill>
+                      <a:schemeClr val="tx1"/>
+                    </a:solidFill>
+                    <a:latin typeface="Cambria Math" charset="0"/>
+                    <a:ea typeface="Cambria Math" charset="0"/>
+                    <a:cs typeface="Cambria Math" charset="0"/>
+                  </a:rPr>
+                  <a:t>]</a:t>
+                </a:r>
+                <a:r>
                   <a:rPr lang="en-US" altLang="ja-JP" sz="900" i="1" dirty="0" smtClean="0">
                     <a:solidFill>
                       <a:schemeClr val="tx1"/>
@@ -5754,7 +5757,7 @@
                     <a:ea typeface="Cambria Math" charset="0"/>
                     <a:cs typeface="Cambria Math" charset="0"/>
                   </a:rPr>
-                  <a:t>] = CBP(y, W)</a:t>
+                  <a:t> = CBP(y, W)</a:t>
                 </a:r>
                 <a:endParaRPr lang="ja-JP" altLang="en-US" sz="700" i="1" dirty="0">
                   <a:solidFill>
@@ -5768,7 +5771,7 @@
             </p:txBody>
           </p:sp>
         </mc:Choice>
-        <mc:Fallback>
+        <mc:Fallback xmlns="">
           <p:sp>
             <p:nvSpPr>
               <p:cNvPr id="30" name="フローチャート: 処理 29"/>
